--- a/Microservis-ExternalizedPattern2008.pptx
+++ b/Microservis-ExternalizedPattern2008.pptx
@@ -309,7 +309,7 @@
           <a:p>
             <a:fld id="{AF35C6BA-64DD-49A6-8E88-76B48F38265D}" type="datetimeFigureOut">
               <a:rPr lang="tr-TR" smtClean="0"/>
-              <a:t>29.08.2023</a:t>
+              <a:t>6.09.2023</a:t>
             </a:fld>
             <a:endParaRPr lang="tr-TR"/>
           </a:p>
@@ -478,7 +478,7 @@
           <a:p>
             <a:fld id="{009FD967-8041-4197-8336-6E9E1B09B14C}" type="datetimeFigureOut">
               <a:rPr lang="tr-TR" smtClean="0"/>
-              <a:t>29.08.2023</a:t>
+              <a:t>6.09.2023</a:t>
             </a:fld>
             <a:endParaRPr lang="tr-TR"/>
           </a:p>
@@ -23115,10 +23115,10 @@
                 <a:ea typeface="Corben" pitchFamily="34" charset="-122"/>
                 <a:cs typeface="Corben" pitchFamily="34" charset="-120"/>
               </a:rPr>
-              <a:t>    </a:t>
-            </a:r>
-            <a:r>
-              <a:rPr lang="en-US" sz="2800" dirty="0" err="1">
+              <a:t>         </a:t>
+            </a:r>
+            <a:r>
+              <a:rPr lang="en-US" sz="2400" b="1" dirty="0" err="1">
                 <a:solidFill>
                   <a:srgbClr val="FF0000"/>
                 </a:solidFill>
@@ -23129,7 +23129,7 @@
               <a:t>Geleneksel</a:t>
             </a:r>
             <a:r>
-              <a:rPr lang="en-US" sz="2800" dirty="0">
+              <a:rPr lang="en-US" sz="2400" b="1" dirty="0">
                 <a:solidFill>
                   <a:srgbClr val="FF0000"/>
                 </a:solidFill>
@@ -23139,7 +23139,7 @@
               </a:rPr>
               <a:t> Yaklaşımların Zayıflıkları</a:t>
             </a:r>
-            <a:endParaRPr lang="en-US" sz="2800" dirty="0">
+            <a:endParaRPr lang="en-US" sz="2400" b="1" dirty="0">
               <a:solidFill>
                 <a:srgbClr val="FF0000"/>
               </a:solidFill>
@@ -23268,7 +23268,51 @@
                 <a:ea typeface="Nobile" pitchFamily="34" charset="-122"/>
                 <a:cs typeface="Nobile" pitchFamily="34" charset="-120"/>
               </a:rPr>
-              <a:t>Bir uygulamayı çalıştırmak için vazgeçilmez olan yapılandırma bilgileri, uygulamanın kendisiyle kod içerisinde karışabilir ve nerede olduğunu bulmanız zorlaşabilir.</a:t>
+              <a:t>Bir uygulamayı çalıştırmak için vazgeçilmez olan yapılandırma bilgileri, </a:t>
+            </a:r>
+            <a:r>
+              <a:rPr lang="en-US" sz="1225" dirty="0" err="1">
+                <a:solidFill>
+                  <a:srgbClr val="404155"/>
+                </a:solidFill>
+                <a:latin typeface="Nobile" pitchFamily="34" charset="0"/>
+                <a:ea typeface="Nobile" pitchFamily="34" charset="-122"/>
+                <a:cs typeface="Nobile" pitchFamily="34" charset="-120"/>
+              </a:rPr>
+              <a:t>uygulama</a:t>
+            </a:r>
+            <a:r>
+              <a:rPr lang="tr-TR" sz="1225" dirty="0">
+                <a:solidFill>
+                  <a:srgbClr val="404155"/>
+                </a:solidFill>
+                <a:latin typeface="Nobile" pitchFamily="34" charset="0"/>
+                <a:ea typeface="Nobile" pitchFamily="34" charset="-122"/>
+                <a:cs typeface="Nobile" pitchFamily="34" charset="-120"/>
+              </a:rPr>
+              <a:t>da </a:t>
+            </a:r>
+            <a:r>
+              <a:rPr lang="en-US" sz="1225" dirty="0" err="1">
+                <a:solidFill>
+                  <a:srgbClr val="404155"/>
+                </a:solidFill>
+                <a:latin typeface="Nobile" pitchFamily="34" charset="0"/>
+                <a:ea typeface="Nobile" pitchFamily="34" charset="-122"/>
+                <a:cs typeface="Nobile" pitchFamily="34" charset="-120"/>
+              </a:rPr>
+              <a:t>kod</a:t>
+            </a:r>
+            <a:r>
+              <a:rPr lang="en-US" sz="1225" dirty="0">
+                <a:solidFill>
+                  <a:srgbClr val="404155"/>
+                </a:solidFill>
+                <a:latin typeface="Nobile" pitchFamily="34" charset="0"/>
+                <a:ea typeface="Nobile" pitchFamily="34" charset="-122"/>
+                <a:cs typeface="Nobile" pitchFamily="34" charset="-120"/>
+              </a:rPr>
+              <a:t> içerisinde karışabilir ve nerede olduğunu bulmanız zorlaşabilir.</a:t>
             </a:r>
             <a:endParaRPr lang="en-US" sz="1225" dirty="0"/>
           </a:p>
@@ -23394,7 +23438,29 @@
                 <a:ea typeface="Nobile" pitchFamily="34" charset="-122"/>
                 <a:cs typeface="Nobile" pitchFamily="34" charset="-120"/>
               </a:rPr>
-              <a:t>Yapılandırma ayrıntıları, derleme </a:t>
+              <a:t>Yapılandırma ayrıntıları, </a:t>
+            </a:r>
+            <a:r>
+              <a:rPr lang="en-US" sz="1225" dirty="0" err="1">
+                <a:solidFill>
+                  <a:srgbClr val="404155"/>
+                </a:solidFill>
+                <a:latin typeface="Nobile" pitchFamily="34" charset="0"/>
+                <a:ea typeface="Nobile" pitchFamily="34" charset="-122"/>
+                <a:cs typeface="Nobile" pitchFamily="34" charset="-120"/>
+              </a:rPr>
+              <a:t>derleme</a:t>
+            </a:r>
+            <a:r>
+              <a:rPr lang="en-US" sz="1225" dirty="0">
+                <a:solidFill>
+                  <a:srgbClr val="404155"/>
+                </a:solidFill>
+                <a:latin typeface="Nobile" pitchFamily="34" charset="0"/>
+                <a:ea typeface="Nobile" pitchFamily="34" charset="-122"/>
+                <a:cs typeface="Nobile" pitchFamily="34" charset="-120"/>
+              </a:rPr>
+              <a:t> </a:t>
             </a:r>
             <a:r>
               <a:rPr lang="en-US" sz="1225" dirty="0" err="1">
@@ -23408,7 +23474,7 @@
               <a:t>sırasında</a:t>
             </a:r>
             <a:r>
-              <a:rPr lang="en-US" sz="1225" dirty="0">
+              <a:rPr lang="tr-TR" sz="1225" dirty="0">
                 <a:solidFill>
                   <a:srgbClr val="404155"/>
                 </a:solidFill>
@@ -23418,6 +23484,14 @@
               </a:rPr>
               <a:t> </a:t>
             </a:r>
+          </a:p>
+          <a:p>
+            <a:pPr marL="0" indent="0" algn="l">
+              <a:lnSpc>
+                <a:spcPts val="1960"/>
+              </a:lnSpc>
+              <a:buNone/>
+            </a:pPr>
             <a:r>
               <a:rPr lang="tr-TR" sz="1225" dirty="0">
                 <a:solidFill>
@@ -23427,7 +23501,7 @@
                 <a:ea typeface="Nobile" pitchFamily="34" charset="-122"/>
                 <a:cs typeface="Nobile" pitchFamily="34" charset="-120"/>
               </a:rPr>
-              <a:t>hard</a:t>
+              <a:t>hard kodlanır</a:t>
             </a:r>
             <a:r>
               <a:rPr lang="en-US" sz="1225" dirty="0">
@@ -23438,7 +23512,7 @@
                 <a:ea typeface="Nobile" pitchFamily="34" charset="-122"/>
                 <a:cs typeface="Nobile" pitchFamily="34" charset="-120"/>
               </a:rPr>
-              <a:t> kodlanır, bu da başarısızlık durumlarında test edilemez hatta sık sık uygulamanın yeniden başlatılması gerekebilir.</a:t>
+              <a:t> bu da başarısızlık durumlarında test edilemez hatta sık sık uygulamanın yeniden başlatılması gerekebilir.</a:t>
             </a:r>
             <a:endParaRPr lang="en-US" sz="1225" dirty="0"/>
           </a:p>
@@ -23608,43 +23682,72 @@
                 <a:ea typeface="Nobile" pitchFamily="34" charset="-122"/>
                 <a:cs typeface="Nobile" pitchFamily="34" charset="-120"/>
               </a:rPr>
-              <a:t> kodlanmışsa, bu bilgiler uygulamaya erişen herkes tarafından erişilebilir olabilir, bu da güvenlik açıklarına neden olabilir.</a:t>
+              <a:t> kodlanmışsa, </a:t>
+            </a:r>
+            <a:endParaRPr lang="tr-TR" sz="1225" dirty="0">
+              <a:solidFill>
+                <a:srgbClr val="404155"/>
+              </a:solidFill>
+              <a:latin typeface="Nobile" pitchFamily="34" charset="0"/>
+              <a:ea typeface="Nobile" pitchFamily="34" charset="-122"/>
+              <a:cs typeface="Nobile" pitchFamily="34" charset="-120"/>
+            </a:endParaRPr>
+          </a:p>
+          <a:p>
+            <a:pPr marL="0" indent="0" algn="l">
+              <a:lnSpc>
+                <a:spcPts val="1960"/>
+              </a:lnSpc>
+              <a:buNone/>
+            </a:pPr>
+            <a:r>
+              <a:rPr lang="en-US" sz="1225" dirty="0" err="1">
+                <a:solidFill>
+                  <a:srgbClr val="404155"/>
+                </a:solidFill>
+                <a:latin typeface="Nobile" pitchFamily="34" charset="0"/>
+                <a:ea typeface="Nobile" pitchFamily="34" charset="-122"/>
+                <a:cs typeface="Nobile" pitchFamily="34" charset="-120"/>
+              </a:rPr>
+              <a:t>bu</a:t>
+            </a:r>
+            <a:r>
+              <a:rPr lang="en-US" sz="1225" dirty="0">
+                <a:solidFill>
+                  <a:srgbClr val="404155"/>
+                </a:solidFill>
+                <a:latin typeface="Nobile" pitchFamily="34" charset="0"/>
+                <a:ea typeface="Nobile" pitchFamily="34" charset="-122"/>
+                <a:cs typeface="Nobile" pitchFamily="34" charset="-120"/>
+              </a:rPr>
+              <a:t> bilgiler uygulamaya erişen herkes tarafından </a:t>
+            </a:r>
+            <a:r>
+              <a:rPr lang="en-US" sz="1225" dirty="0" err="1">
+                <a:solidFill>
+                  <a:srgbClr val="404155"/>
+                </a:solidFill>
+                <a:latin typeface="Nobile" pitchFamily="34" charset="0"/>
+                <a:ea typeface="Nobile" pitchFamily="34" charset="-122"/>
+                <a:cs typeface="Nobile" pitchFamily="34" charset="-120"/>
+              </a:rPr>
+              <a:t>erişilebilir</a:t>
+            </a:r>
+            <a:r>
+              <a:rPr lang="en-US" sz="1225" dirty="0">
+                <a:solidFill>
+                  <a:srgbClr val="404155"/>
+                </a:solidFill>
+                <a:latin typeface="Nobile" pitchFamily="34" charset="0"/>
+                <a:ea typeface="Nobile" pitchFamily="34" charset="-122"/>
+                <a:cs typeface="Nobile" pitchFamily="34" charset="-120"/>
+              </a:rPr>
+              <a:t>  bu da güvenlik açıklarına neden olabilir.</a:t>
             </a:r>
             <a:endParaRPr lang="en-US" sz="1225" dirty="0"/>
           </a:p>
         </p:txBody>
       </p:sp>
-      <p:pic>
-        <p:nvPicPr>
-          <p:cNvPr id="15" name="Image 4" descr="preencoded.png">
-            <a:hlinkClick r:id="rId5"/>
-            <a:extLst>
-              <a:ext uri="{FF2B5EF4-FFF2-40B4-BE49-F238E27FC236}">
-                <a16:creationId xmlns:a16="http://schemas.microsoft.com/office/drawing/2014/main" id="{DD646501-C2A7-922A-9275-436EAAD4D441}"/>
-              </a:ext>
-            </a:extLst>
-          </p:cNvPr>
-          <p:cNvPicPr>
-            <a:picLocks noChangeAspect="1"/>
-          </p:cNvPicPr>
-          <p:nvPr/>
-        </p:nvPicPr>
-        <p:blipFill>
-          <a:blip r:embed="rId6"/>
-          <a:stretch>
-            <a:fillRect/>
-          </a:stretch>
-        </p:blipFill>
-        <p:spPr>
-          <a:xfrm>
-            <a:off x="12242153" y="7589520"/>
-            <a:ext cx="2296807" cy="548640"/>
-          </a:xfrm>
-          <a:prstGeom prst="rect">
-            <a:avLst/>
-          </a:prstGeom>
-        </p:spPr>
-      </p:pic>
     </p:spTree>
     <p:extLst>
       <p:ext uri="{BB962C8B-B14F-4D97-AF65-F5344CB8AC3E}">
@@ -23693,7 +23796,7 @@
         </p:nvSpPr>
         <p:spPr>
           <a:xfrm>
-            <a:off x="3407701" y="6833269"/>
+            <a:off x="5231904" y="6331929"/>
             <a:ext cx="6912768" cy="268139"/>
           </a:xfrm>
         </p:spPr>
@@ -23702,10 +23805,17 @@
           <a:lstStyle/>
           <a:p>
             <a:r>
-              <a:rPr lang="tr-TR"/>
-              <a:t>Kurumsal Mimari ve Arge-Damla Erhan</a:t>
-            </a:r>
-            <a:endParaRPr lang="tr-TR" dirty="0"/>
+              <a:rPr lang="tr-TR" dirty="0"/>
+              <a:t>Kurumsal Mimari ve </a:t>
+            </a:r>
+            <a:r>
+              <a:rPr lang="tr-TR" dirty="0" err="1"/>
+              <a:t>Arge</a:t>
+            </a:r>
+            <a:r>
+              <a:rPr lang="tr-TR" dirty="0"/>
+              <a:t>-Damla Erhan</a:t>
+            </a:r>
           </a:p>
         </p:txBody>
       </p:sp>
@@ -26257,6 +26367,10 @@
                 <a:spcPts val="2648"/>
               </a:lnSpc>
             </a:pPr>
+            <a:r>
+              <a:rPr lang="tr-TR" sz="1000" dirty="0"/>
+              <a:t>                                                   </a:t>
+            </a:r>
             <a:endParaRPr lang="en-US" sz="1000" dirty="0"/>
           </a:p>
           <a:p>
@@ -26446,16 +26560,28 @@
             <p:ph type="ftr" sz="quarter" idx="11"/>
           </p:nvPr>
         </p:nvSpPr>
-        <p:spPr/>
+        <p:spPr>
+          <a:xfrm>
+            <a:off x="4761928" y="6376725"/>
+            <a:ext cx="6912768" cy="268139"/>
+          </a:xfrm>
+        </p:spPr>
         <p:txBody>
           <a:bodyPr/>
           <a:lstStyle/>
           <a:p>
             <a:r>
-              <a:rPr lang="tr-TR"/>
-              <a:t>Kurumsal Mimari ve Arge-Damla Erhan</a:t>
-            </a:r>
-            <a:endParaRPr lang="tr-TR" dirty="0"/>
+              <a:rPr lang="tr-TR" dirty="0"/>
+              <a:t>Kurumsal Mimari ve </a:t>
+            </a:r>
+            <a:r>
+              <a:rPr lang="tr-TR" dirty="0" err="1"/>
+              <a:t>Arge</a:t>
+            </a:r>
+            <a:r>
+              <a:rPr lang="tr-TR" dirty="0"/>
+              <a:t>-Damla Erhan</a:t>
+            </a:r>
           </a:p>
         </p:txBody>
       </p:sp>
@@ -27583,7 +27709,7 @@
         <p:spPr/>
         <p:txBody>
           <a:bodyPr>
-            <a:normAutofit/>
+            <a:normAutofit lnSpcReduction="10000"/>
           </a:bodyPr>
           <a:lstStyle/>
           <a:p>
@@ -27805,6 +27931,36 @@
               <a:rPr lang="en-US" dirty="0"/>
               <a:t>?</a:t>
             </a:r>
+            <a:endParaRPr lang="tr-TR" dirty="0"/>
+          </a:p>
+          <a:p>
+            <a:pPr>
+              <a:lnSpc>
+                <a:spcPct val="200000"/>
+              </a:lnSpc>
+            </a:pPr>
+            <a:r>
+              <a:rPr lang="tr-TR" sz="1400" b="0" i="0" u="none" strike="noStrike" baseline="0" dirty="0">
+                <a:latin typeface="NotoSansSymbols"/>
+              </a:rPr>
+              <a:t>➔Demo</a:t>
+            </a:r>
+            <a:endParaRPr lang="tr-TR" dirty="0"/>
+          </a:p>
+          <a:p>
+            <a:pPr>
+              <a:lnSpc>
+                <a:spcPct val="200000"/>
+              </a:lnSpc>
+            </a:pPr>
+            <a:endParaRPr lang="tr-TR" dirty="0"/>
+          </a:p>
+          <a:p>
+            <a:pPr>
+              <a:lnSpc>
+                <a:spcPct val="200000"/>
+              </a:lnSpc>
+            </a:pPr>
             <a:endParaRPr lang="tr-TR" dirty="0"/>
           </a:p>
         </p:txBody>
@@ -28698,13 +28854,56 @@
             <a:pPr marL="0" indent="0">
               <a:buNone/>
             </a:pPr>
+            <a:br>
+              <a:rPr lang="tr-TR" dirty="0"/>
+            </a:br>
             <a:r>
               <a:rPr lang="tr-TR" dirty="0">
                 <a:solidFill>
                   <a:srgbClr val="242424"/>
                 </a:solidFill>
               </a:rPr>
-              <a:t>(PHP ile başlandıysa PHP ile geliştirilmeye devam edilmek zorunda)</a:t>
+              <a:t>• Uygulamanın </a:t>
+            </a:r>
+            <a:r>
+              <a:rPr lang="tr-TR" dirty="0" err="1">
+                <a:solidFill>
+                  <a:srgbClr val="242424"/>
+                </a:solidFill>
+              </a:rPr>
+              <a:t>modülaritesi</a:t>
+            </a:r>
+            <a:r>
+              <a:rPr lang="en-US" dirty="0">
+                <a:solidFill>
+                  <a:srgbClr val="242424"/>
+                </a:solidFill>
+              </a:rPr>
+              <a:t> </a:t>
+            </a:r>
+            <a:r>
+              <a:rPr lang="tr-TR" dirty="0">
+                <a:solidFill>
+                  <a:srgbClr val="242424"/>
+                </a:solidFill>
+              </a:rPr>
+              <a:t>geliştirilen programlama diline bağlı</a:t>
+            </a:r>
+            <a:r>
+              <a:rPr lang="en-US" dirty="0" err="1">
+                <a:solidFill>
+                  <a:srgbClr val="242424"/>
+                </a:solidFill>
+              </a:rPr>
+              <a:t>dır</a:t>
+            </a:r>
+            <a:r>
+              <a:rPr lang="tr-TR" dirty="0">
+                <a:solidFill>
+                  <a:srgbClr val="242424"/>
+                </a:solidFill>
+              </a:rPr>
+              <a:t> .</a:t>
             </a:r>
           </a:p>
           <a:p>
@@ -28720,7 +28919,7 @@
                   <a:srgbClr val="242424"/>
                 </a:solidFill>
               </a:rPr>
-              <a:t>• Uygulamanın </a:t>
+              <a:t>• Uygulama büyüdükçe </a:t>
             </a:r>
             <a:r>
               <a:rPr lang="tr-TR" dirty="0" err="1">
@@ -28728,15 +28927,23 @@
                   <a:srgbClr val="242424"/>
                 </a:solidFill>
               </a:rPr>
-              <a:t>modülaritesi</a:t>
-            </a:r>
-            <a:r>
-              <a:rPr lang="en-US" dirty="0">
+              <a:t>codebasein</a:t>
+            </a:r>
+            <a:r>
+              <a:rPr lang="tr-TR" dirty="0">
                 <a:solidFill>
                   <a:srgbClr val="242424"/>
                 </a:solidFill>
               </a:rPr>
-              <a:t> </a:t>
+              <a:t> yönetilmesi, bakımı ve </a:t>
+            </a:r>
+            <a:r>
+              <a:rPr lang="tr-TR" dirty="0" err="1">
+                <a:solidFill>
+                  <a:srgbClr val="242424"/>
+                </a:solidFill>
+              </a:rPr>
+              <a:t>deploy</a:t>
             </a:r>
             <a:r>
               <a:rPr lang="tr-TR" dirty="0">
@@ -28744,7 +28951,7 @@
                   <a:srgbClr val="242424"/>
                 </a:solidFill>
               </a:rPr>
-              <a:t>geliştirilen programlama diline bağlı</a:t>
+              <a:t> edilmesi zorlaş</a:t>
             </a:r>
             <a:r>
               <a:rPr lang="en-US" dirty="0" err="1">
@@ -28752,7 +28959,7 @@
                   <a:srgbClr val="242424"/>
                 </a:solidFill>
               </a:rPr>
-              <a:t>dır</a:t>
+              <a:t>ır</a:t>
             </a:r>
             <a:r>
               <a:rPr lang="tr-TR" dirty="0">
@@ -28760,7 +28967,7 @@
                   <a:srgbClr val="242424"/>
                 </a:solidFill>
               </a:rPr>
-              <a:t> .</a:t>
+              <a:t>.</a:t>
             </a:r>
           </a:p>
           <a:p>
@@ -28776,70 +28983,6 @@
                   <a:srgbClr val="242424"/>
                 </a:solidFill>
               </a:rPr>
-              <a:t>• Uygulama büyüdükçe </a:t>
-            </a:r>
-            <a:r>
-              <a:rPr lang="tr-TR" dirty="0" err="1">
-                <a:solidFill>
-                  <a:srgbClr val="242424"/>
-                </a:solidFill>
-              </a:rPr>
-              <a:t>codebasein</a:t>
-            </a:r>
-            <a:r>
-              <a:rPr lang="tr-TR" dirty="0">
-                <a:solidFill>
-                  <a:srgbClr val="242424"/>
-                </a:solidFill>
-              </a:rPr>
-              <a:t> yönetilmesi, bakımı ve </a:t>
-            </a:r>
-            <a:r>
-              <a:rPr lang="tr-TR" dirty="0" err="1">
-                <a:solidFill>
-                  <a:srgbClr val="242424"/>
-                </a:solidFill>
-              </a:rPr>
-              <a:t>deploy</a:t>
-            </a:r>
-            <a:r>
-              <a:rPr lang="tr-TR" dirty="0">
-                <a:solidFill>
-                  <a:srgbClr val="242424"/>
-                </a:solidFill>
-              </a:rPr>
-              <a:t> edilmesi zorlaş</a:t>
-            </a:r>
-            <a:r>
-              <a:rPr lang="en-US" dirty="0" err="1">
-                <a:solidFill>
-                  <a:srgbClr val="242424"/>
-                </a:solidFill>
-              </a:rPr>
-              <a:t>ır</a:t>
-            </a:r>
-            <a:r>
-              <a:rPr lang="tr-TR" dirty="0">
-                <a:solidFill>
-                  <a:srgbClr val="242424"/>
-                </a:solidFill>
-              </a:rPr>
-              <a:t>.</a:t>
-            </a:r>
-          </a:p>
-          <a:p>
-            <a:pPr marL="0" indent="0">
-              <a:buNone/>
-            </a:pPr>
-            <a:br>
-              <a:rPr lang="tr-TR" dirty="0"/>
-            </a:br>
-            <a:r>
-              <a:rPr lang="tr-TR" dirty="0">
-                <a:solidFill>
-                  <a:srgbClr val="242424"/>
-                </a:solidFill>
-              </a:rPr>
               <a:t>• Ekibe yeni bir </a:t>
             </a:r>
             <a:r>
@@ -28856,39 +28999,7 @@
                   <a:srgbClr val="242424"/>
                 </a:solidFill>
               </a:rPr>
-              <a:t> katıldığı zaman uygulamanın bütün yapısını(</a:t>
-            </a:r>
-            <a:r>
-              <a:rPr lang="tr-TR" dirty="0" err="1">
-                <a:solidFill>
-                  <a:srgbClr val="242424"/>
-                </a:solidFill>
-              </a:rPr>
-              <a:t>structure</a:t>
-            </a:r>
-            <a:r>
-              <a:rPr lang="tr-TR" dirty="0">
-                <a:solidFill>
-                  <a:srgbClr val="242424"/>
-                </a:solidFill>
-              </a:rPr>
-              <a:t>) öğrenmek zorunda kalır ve projeye katkı vermeye (</a:t>
-            </a:r>
-            <a:r>
-              <a:rPr lang="tr-TR" dirty="0" err="1">
-                <a:solidFill>
-                  <a:srgbClr val="242424"/>
-                </a:solidFill>
-              </a:rPr>
-              <a:t>contribute</a:t>
-            </a:r>
-            <a:r>
-              <a:rPr lang="tr-TR" dirty="0">
-                <a:solidFill>
-                  <a:srgbClr val="242424"/>
-                </a:solidFill>
-              </a:rPr>
-              <a:t>) başlama süresinin art</a:t>
+              <a:t> katıldığı zaman uygulamanın bütün yapısını öğrenmek zorunda kalır ve projeye katkı vermeye başlama süresi art</a:t>
             </a:r>
             <a:r>
               <a:rPr lang="en-US" dirty="0" err="1">
@@ -29209,17 +29320,8 @@
               <a:rPr lang="tr-TR" dirty="0">
                 <a:latin typeface="source-serif-pro"/>
               </a:rPr>
-              <a:t> zaman uygulamanın bütün yapısını öğrenmek yerine katkı vermesi beklenen servisin yapısını öğrenip katkı vermeye başlama süresi oldukça çabuk</a:t>
-            </a:r>
-            <a:r>
-              <a:rPr lang="en-US" dirty="0">
-                <a:latin typeface="source-serif-pro"/>
-              </a:rPr>
-              <a:t>tur</a:t>
-            </a:r>
-            <a:endParaRPr lang="tr-TR" dirty="0">
-              <a:latin typeface="source-serif-pro"/>
-            </a:endParaRPr>
+              <a:t> zaman uygulamanın bütün yapısını öğrenmek yerine katkı vermesi beklenen servisin yapısını öğrenip katkı vermeye başlama süresi oldukça kısalır.</a:t>
+            </a:r>
           </a:p>
           <a:p>
             <a:pPr marL="0" indent="0">
@@ -29405,7 +29507,7 @@
             </a:r>
             <a:r>
               <a:rPr lang="tr-TR" sz="1400" dirty="0"/>
-              <a:t>Bir uygulamanın, uygulamanın kendisinde herhangi bir değişiklik olmaksızın birden fazla ortamda (</a:t>
+              <a:t>Bir uygulamanın kendisinde herhangi bir değişiklik olmaksızın birden fazla ortamda (</a:t>
             </a:r>
             <a:r>
               <a:rPr lang="tr-TR" sz="1400" dirty="0" err="1"/>
@@ -29678,95 +29780,7 @@
             </a:r>
             <a:r>
               <a:rPr lang="en-US" sz="1400" dirty="0"/>
-              <a:t>. Bu</a:t>
-            </a:r>
-            <a:r>
-              <a:rPr lang="tr-TR" sz="1400" dirty="0"/>
-              <a:t> durum</a:t>
-            </a:r>
-            <a:r>
-              <a:rPr lang="en-US" sz="1400" dirty="0"/>
-              <a:t>, </a:t>
-            </a:r>
-            <a:r>
-              <a:rPr lang="en-US" sz="1400" dirty="0" err="1"/>
-              <a:t>esneklik</a:t>
-            </a:r>
-            <a:r>
-              <a:rPr lang="en-US" sz="1400" dirty="0"/>
-              <a:t> </a:t>
-            </a:r>
-            <a:r>
-              <a:rPr lang="en-US" sz="1400" dirty="0" err="1"/>
-              <a:t>sağlar</a:t>
-            </a:r>
-            <a:r>
-              <a:rPr lang="en-US" sz="1400" dirty="0"/>
-              <a:t> </a:t>
-            </a:r>
-            <a:r>
-              <a:rPr lang="en-US" sz="1400" dirty="0" err="1"/>
-              <a:t>ve</a:t>
-            </a:r>
-            <a:r>
-              <a:rPr lang="en-US" sz="1400" dirty="0"/>
-              <a:t> </a:t>
-            </a:r>
-            <a:r>
-              <a:rPr lang="en-US" sz="1400" dirty="0" err="1"/>
-              <a:t>servislerin</a:t>
-            </a:r>
-            <a:r>
-              <a:rPr lang="en-US" sz="1400" dirty="0"/>
-              <a:t> </a:t>
-            </a:r>
-            <a:r>
-              <a:rPr lang="en-US" sz="1400" dirty="0" err="1"/>
-              <a:t>hızla</a:t>
-            </a:r>
-            <a:r>
-              <a:rPr lang="en-US" sz="1400" dirty="0"/>
-              <a:t> </a:t>
-            </a:r>
-            <a:r>
-              <a:rPr lang="en-US" sz="1400" dirty="0" err="1"/>
-              <a:t>adapte</a:t>
-            </a:r>
-            <a:r>
-              <a:rPr lang="en-US" sz="1400" dirty="0"/>
-              <a:t> </a:t>
-            </a:r>
-            <a:r>
-              <a:rPr lang="en-US" sz="1400" dirty="0" err="1"/>
-              <a:t>olmasını</a:t>
-            </a:r>
-            <a:r>
-              <a:rPr lang="en-US" sz="1400" dirty="0"/>
-              <a:t> </a:t>
-            </a:r>
-            <a:r>
-              <a:rPr lang="en-US" sz="1400" dirty="0" err="1"/>
-              <a:t>veya</a:t>
-            </a:r>
-            <a:r>
-              <a:rPr lang="en-US" sz="1400" dirty="0"/>
-              <a:t> </a:t>
-            </a:r>
-            <a:r>
-              <a:rPr lang="en-US" sz="1400" dirty="0" err="1"/>
-              <a:t>özelleştirilmesini</a:t>
-            </a:r>
-            <a:r>
-              <a:rPr lang="en-US" sz="1400" dirty="0"/>
-              <a:t> </a:t>
-            </a:r>
-            <a:r>
-              <a:rPr lang="en-US" sz="1400" dirty="0" err="1"/>
-              <a:t>kolaylaştırır</a:t>
-            </a:r>
-            <a:r>
-              <a:rPr lang="en-US" sz="1400" dirty="0"/>
-              <a:t>.</a:t>
+              <a:t>. </a:t>
             </a:r>
           </a:p>
           <a:p>
@@ -30077,25 +30091,7 @@
                 </a:solidFill>
                 <a:effectLst/>
               </a:rPr>
-              <a:t>Monolitik mimaride genellikle bir uygulama sunucumuz içerisinde bir tane uygulamamız ve sunucu üzerindeki </a:t>
-            </a:r>
-            <a:r>
-              <a:rPr lang="tr-TR" sz="1400" b="0" i="0" dirty="0" err="1">
-                <a:solidFill>
-                  <a:srgbClr val="242424"/>
-                </a:solidFill>
-                <a:effectLst/>
-              </a:rPr>
-              <a:t>external</a:t>
-            </a:r>
-            <a:r>
-              <a:rPr lang="tr-TR" sz="1400" b="0" i="0" dirty="0">
-                <a:solidFill>
-                  <a:srgbClr val="242424"/>
-                </a:solidFill>
-                <a:effectLst/>
-              </a:rPr>
-              <a:t> </a:t>
+              <a:t>Monolitik mimaride genellikle bir uygulama sunucumuz içerisinde bir tane uygulamamız ve sunucu üzerinde </a:t>
             </a:r>
             <a:r>
               <a:rPr lang="tr-TR" sz="1400" b="0" i="0" dirty="0" err="1">
@@ -31041,16 +31037,28 @@
             <p:ph type="ftr" sz="quarter" idx="11"/>
           </p:nvPr>
         </p:nvSpPr>
-        <p:spPr/>
+        <p:spPr>
+          <a:xfrm>
+            <a:off x="4943875" y="6401994"/>
+            <a:ext cx="6912768" cy="268139"/>
+          </a:xfrm>
+        </p:spPr>
         <p:txBody>
           <a:bodyPr/>
           <a:lstStyle/>
           <a:p>
             <a:r>
-              <a:rPr lang="tr-TR" sz="1400"/>
-              <a:t>Kurumsal Mimari ve Arge-Damla Erhan</a:t>
-            </a:r>
-            <a:endParaRPr lang="tr-TR" sz="1400" dirty="0"/>
+              <a:rPr lang="tr-TR" sz="1400" dirty="0"/>
+              <a:t>Kurumsal Mimari ve </a:t>
+            </a:r>
+            <a:r>
+              <a:rPr lang="tr-TR" sz="1400" dirty="0" err="1"/>
+              <a:t>Arge</a:t>
+            </a:r>
+            <a:r>
+              <a:rPr lang="tr-TR" sz="1400" dirty="0"/>
+              <a:t>-Damla Erhan</a:t>
+            </a:r>
           </a:p>
         </p:txBody>
       </p:sp>
@@ -31232,13 +31240,31 @@
               <a:buNone/>
             </a:pPr>
             <a:r>
-              <a:rPr lang="tr-TR" sz="1400" b="0" i="0" dirty="0">
+              <a:rPr lang="tr-TR" sz="1400" b="0" i="0">
                 <a:solidFill>
                   <a:srgbClr val="444444"/>
                 </a:solidFill>
                 <a:effectLst/>
               </a:rPr>
-              <a:t> Harici yapılandırma deposu modeli, yapılandırma ayrıntılarını uygulamadan ayıran bir operasyonel modeldir. Bununla uygulama, yapılandırma özelliklerinin değerini bilmez, yalnızca yapılandırma deposundan hangi özelliklerin okunması gerektiğini bilir</a:t>
+              <a:t>                                          </a:t>
+            </a:r>
+            <a:r>
+              <a:rPr lang="tr-TR" sz="1400" b="0" i="0" dirty="0">
+                <a:solidFill>
+                  <a:srgbClr val="444444"/>
+                </a:solidFill>
+                <a:effectLst/>
+              </a:rPr>
+              <a:t>Harici yapılandırma deposu modeli, yapılandırma ayrıntılarını uygulamadan ayıran bir operasyonel modeldir</a:t>
+            </a:r>
+            <a:r>
+              <a:rPr lang="tr-TR" sz="1400" b="0" i="0">
+                <a:solidFill>
+                  <a:srgbClr val="444444"/>
+                </a:solidFill>
+                <a:effectLst/>
+              </a:rPr>
+              <a:t>. </a:t>
             </a:r>
             <a:endParaRPr lang="tr-TR" sz="1400" dirty="0"/>
           </a:p>
